--- a/誰能使我與神的愛隔絕 (崇拜版).pptx
+++ b/誰能使我與神的愛隔絕 (崇拜版).pptx
@@ -12,7 +12,8 @@
     <p:sldId id="261" r:id="rId6"/>
     <p:sldId id="262" r:id="rId7"/>
     <p:sldId id="263" r:id="rId8"/>
-    <p:sldId id="264" r:id="rId9"/>
+    <p:sldId id="265" r:id="rId9"/>
+    <p:sldId id="264" r:id="rId10"/>
   </p:sldIdLst>
   <p:sldSz cx="12192000" cy="6858000"/>
   <p:notesSz cx="6858000" cy="9144000"/>
@@ -111,6 +112,11 @@
       </a:defRPr>
     </a:lvl9pPr>
   </p:defaultTextStyle>
+  <p:extLst>
+    <p:ext uri="{EFAFB233-063F-42B5-8137-9DF3F51BA10A}">
+      <p15:sldGuideLst xmlns:p15="http://schemas.microsoft.com/office/powerpoint/2012/main"/>
+    </p:ext>
+  </p:extLst>
 </p:presentation>
 </file>
 
@@ -295,7 +301,7 @@
           <a:p>
             <a:fld id="{A6A23CE9-6925-450D-83BB-532BB1B49E73}" type="datetimeFigureOut">
               <a:rPr lang="vi-VN" smtClean="0"/>
-              <a:t>05/03/2022</a:t>
+              <a:t>16/09/2023</a:t>
             </a:fld>
             <a:endParaRPr lang="vi-VN"/>
           </a:p>
@@ -465,7 +471,7 @@
           <a:p>
             <a:fld id="{A6A23CE9-6925-450D-83BB-532BB1B49E73}" type="datetimeFigureOut">
               <a:rPr lang="vi-VN" smtClean="0"/>
-              <a:t>05/03/2022</a:t>
+              <a:t>16/09/2023</a:t>
             </a:fld>
             <a:endParaRPr lang="vi-VN"/>
           </a:p>
@@ -645,7 +651,7 @@
           <a:p>
             <a:fld id="{A6A23CE9-6925-450D-83BB-532BB1B49E73}" type="datetimeFigureOut">
               <a:rPr lang="vi-VN" smtClean="0"/>
-              <a:t>05/03/2022</a:t>
+              <a:t>16/09/2023</a:t>
             </a:fld>
             <a:endParaRPr lang="vi-VN"/>
           </a:p>
@@ -815,7 +821,7 @@
           <a:p>
             <a:fld id="{A6A23CE9-6925-450D-83BB-532BB1B49E73}" type="datetimeFigureOut">
               <a:rPr lang="vi-VN" smtClean="0"/>
-              <a:t>05/03/2022</a:t>
+              <a:t>16/09/2023</a:t>
             </a:fld>
             <a:endParaRPr lang="vi-VN"/>
           </a:p>
@@ -1061,7 +1067,7 @@
           <a:p>
             <a:fld id="{A6A23CE9-6925-450D-83BB-532BB1B49E73}" type="datetimeFigureOut">
               <a:rPr lang="vi-VN" smtClean="0"/>
-              <a:t>05/03/2022</a:t>
+              <a:t>16/09/2023</a:t>
             </a:fld>
             <a:endParaRPr lang="vi-VN"/>
           </a:p>
@@ -1349,7 +1355,7 @@
           <a:p>
             <a:fld id="{A6A23CE9-6925-450D-83BB-532BB1B49E73}" type="datetimeFigureOut">
               <a:rPr lang="vi-VN" smtClean="0"/>
-              <a:t>05/03/2022</a:t>
+              <a:t>16/09/2023</a:t>
             </a:fld>
             <a:endParaRPr lang="vi-VN"/>
           </a:p>
@@ -1771,7 +1777,7 @@
           <a:p>
             <a:fld id="{A6A23CE9-6925-450D-83BB-532BB1B49E73}" type="datetimeFigureOut">
               <a:rPr lang="vi-VN" smtClean="0"/>
-              <a:t>05/03/2022</a:t>
+              <a:t>16/09/2023</a:t>
             </a:fld>
             <a:endParaRPr lang="vi-VN"/>
           </a:p>
@@ -1889,7 +1895,7 @@
           <a:p>
             <a:fld id="{A6A23CE9-6925-450D-83BB-532BB1B49E73}" type="datetimeFigureOut">
               <a:rPr lang="vi-VN" smtClean="0"/>
-              <a:t>05/03/2022</a:t>
+              <a:t>16/09/2023</a:t>
             </a:fld>
             <a:endParaRPr lang="vi-VN"/>
           </a:p>
@@ -1984,7 +1990,7 @@
           <a:p>
             <a:fld id="{A6A23CE9-6925-450D-83BB-532BB1B49E73}" type="datetimeFigureOut">
               <a:rPr lang="vi-VN" smtClean="0"/>
-              <a:t>05/03/2022</a:t>
+              <a:t>16/09/2023</a:t>
             </a:fld>
             <a:endParaRPr lang="vi-VN"/>
           </a:p>
@@ -2261,7 +2267,7 @@
           <a:p>
             <a:fld id="{A6A23CE9-6925-450D-83BB-532BB1B49E73}" type="datetimeFigureOut">
               <a:rPr lang="vi-VN" smtClean="0"/>
-              <a:t>05/03/2022</a:t>
+              <a:t>16/09/2023</a:t>
             </a:fld>
             <a:endParaRPr lang="vi-VN"/>
           </a:p>
@@ -2518,7 +2524,7 @@
           <a:p>
             <a:fld id="{A6A23CE9-6925-450D-83BB-532BB1B49E73}" type="datetimeFigureOut">
               <a:rPr lang="vi-VN" smtClean="0"/>
-              <a:t>05/03/2022</a:t>
+              <a:t>16/09/2023</a:t>
             </a:fld>
             <a:endParaRPr lang="vi-VN"/>
           </a:p>
@@ -2736,7 +2742,7 @@
           <a:p>
             <a:fld id="{A6A23CE9-6925-450D-83BB-532BB1B49E73}" type="datetimeFigureOut">
               <a:rPr lang="vi-VN" smtClean="0"/>
-              <a:t>05/03/2022</a:t>
+              <a:t>16/09/2023</a:t>
             </a:fld>
             <a:endParaRPr lang="vi-VN"/>
           </a:p>
@@ -3148,24 +3154,7 @@
                 <a:latin typeface="微軟正黑體" pitchFamily="34" charset="-120"/>
                 <a:ea typeface="微軟正黑體" pitchFamily="34" charset="-120"/>
               </a:rPr>
-              <a:t>誰</a:t>
-            </a:r>
-            <a:r>
-              <a:rPr lang="zh-TW" altLang="en-US" sz="7200" b="1" i="1" dirty="0">
-                <a:solidFill>
-                  <a:srgbClr val="000066"/>
-                </a:solidFill>
-                <a:effectLst>
-                  <a:outerShdw blurRad="38100" dist="38100" dir="2700000" algn="tl">
-                    <a:srgbClr val="000000">
-                      <a:alpha val="43137"/>
-                    </a:srgbClr>
-                  </a:outerShdw>
-                </a:effectLst>
-                <a:latin typeface="微軟正黑體" pitchFamily="34" charset="-120"/>
-                <a:ea typeface="微軟正黑體" pitchFamily="34" charset="-120"/>
-              </a:rPr>
-              <a:t>能使我與神的愛隔絕</a:t>
+              <a:t>誰能使我與神的愛隔絕</a:t>
             </a:r>
           </a:p>
         </p:txBody>
@@ -3243,37 +3232,17 @@
                 <a:latin typeface="微軟正黑體" pitchFamily="34" charset="-120"/>
                 <a:ea typeface="微軟正黑體" pitchFamily="34" charset="-120"/>
               </a:rPr>
-              <a:t> </a:t>
-            </a:r>
-            <a:r>
-              <a:rPr lang="en-US" altLang="zh-TW" sz="6400" b="1" dirty="0">
+              <a:t>   </a:t>
+            </a:r>
+            <a:r>
+              <a:rPr lang="zh-TW" altLang="en-US" sz="6400" b="1" dirty="0">
                 <a:solidFill>
                   <a:srgbClr val="000066"/>
                 </a:solidFill>
                 <a:latin typeface="微軟正黑體" pitchFamily="34" charset="-120"/>
                 <a:ea typeface="微軟正黑體" pitchFamily="34" charset="-120"/>
               </a:rPr>
-              <a:t>  </a:t>
-            </a:r>
-            <a:r>
-              <a:rPr lang="zh-TW" altLang="en-US" sz="6400" b="1" dirty="0">
-                <a:solidFill>
-                  <a:srgbClr val="000066"/>
-                </a:solidFill>
-                <a:latin typeface="微軟正黑體" pitchFamily="34" charset="-120"/>
-                <a:ea typeface="微軟正黑體" pitchFamily="34" charset="-120"/>
-              </a:rPr>
-              <a:t>神偉大的</a:t>
-            </a:r>
-            <a:r>
-              <a:rPr lang="zh-TW" altLang="en-US" sz="6400" b="1" dirty="0">
-                <a:solidFill>
-                  <a:srgbClr val="000066"/>
-                </a:solidFill>
-                <a:latin typeface="微軟正黑體" pitchFamily="34" charset="-120"/>
-                <a:ea typeface="微軟正黑體" pitchFamily="34" charset="-120"/>
-              </a:rPr>
-              <a:t>愛</a:t>
+              <a:t>神偉大的愛</a:t>
             </a:r>
             <a:endParaRPr lang="en-US" altLang="zh-TW" sz="6400" b="1" dirty="0">
               <a:solidFill>
@@ -3295,17 +3264,7 @@
                 <a:latin typeface="微軟正黑體" pitchFamily="34" charset="-120"/>
                 <a:ea typeface="微軟正黑體" pitchFamily="34" charset="-120"/>
               </a:rPr>
-              <a:t>何</a:t>
-            </a:r>
-            <a:r>
-              <a:rPr lang="zh-TW" altLang="en-US" sz="6400" b="1" dirty="0">
-                <a:solidFill>
-                  <a:srgbClr val="000066"/>
-                </a:solidFill>
-                <a:latin typeface="微軟正黑體" pitchFamily="34" charset="-120"/>
-                <a:ea typeface="微軟正黑體" pitchFamily="34" charset="-120"/>
-              </a:rPr>
-              <a:t>其長闊高深</a:t>
+              <a:t>何其長闊高深</a:t>
             </a:r>
             <a:endParaRPr lang="en-US" altLang="zh-TW" sz="6400" b="1" dirty="0">
               <a:solidFill>
@@ -3446,17 +3405,7 @@
                 <a:latin typeface="微軟正黑體" pitchFamily="34" charset="-120"/>
                 <a:ea typeface="微軟正黑體" pitchFamily="34" charset="-120"/>
               </a:rPr>
-              <a:t>竟不吝惜祂獨生愛</a:t>
-            </a:r>
-            <a:r>
-              <a:rPr lang="zh-TW" altLang="en-US" sz="6400" b="1" dirty="0">
-                <a:solidFill>
-                  <a:srgbClr val="000066"/>
-                </a:solidFill>
-                <a:latin typeface="微軟正黑體" pitchFamily="34" charset="-120"/>
-                <a:ea typeface="微軟正黑體" pitchFamily="34" charset="-120"/>
-              </a:rPr>
-              <a:t>子</a:t>
+              <a:t>竟不吝惜祂獨生愛子</a:t>
             </a:r>
             <a:endParaRPr lang="en-US" altLang="zh-TW" sz="6400" b="1" dirty="0">
               <a:solidFill>
@@ -3478,17 +3427,7 @@
                 <a:latin typeface="微軟正黑體" pitchFamily="34" charset="-120"/>
                 <a:ea typeface="微軟正黑體" pitchFamily="34" charset="-120"/>
               </a:rPr>
-              <a:t>為</a:t>
-            </a:r>
-            <a:r>
-              <a:rPr lang="zh-TW" altLang="en-US" sz="6400" b="1" dirty="0">
-                <a:solidFill>
-                  <a:srgbClr val="000066"/>
-                </a:solidFill>
-                <a:latin typeface="微軟正黑體" pitchFamily="34" charset="-120"/>
-                <a:ea typeface="微軟正黑體" pitchFamily="34" charset="-120"/>
-              </a:rPr>
-              <a:t>我們眾人捨了</a:t>
+              <a:t>為我們眾人捨了</a:t>
             </a:r>
             <a:endParaRPr lang="en-US" altLang="zh-TW" sz="6400" b="1" dirty="0">
               <a:solidFill>
@@ -3629,17 +3568,7 @@
                 <a:latin typeface="微軟正黑體" pitchFamily="34" charset="-120"/>
                 <a:ea typeface="微軟正黑體" pitchFamily="34" charset="-120"/>
               </a:rPr>
-              <a:t>神稱為義的人誰能控</a:t>
-            </a:r>
-            <a:r>
-              <a:rPr lang="zh-TW" altLang="en-US" sz="6400" b="1" dirty="0">
-                <a:solidFill>
-                  <a:srgbClr val="000066"/>
-                </a:solidFill>
-                <a:latin typeface="微軟正黑體" pitchFamily="34" charset="-120"/>
-                <a:ea typeface="微軟正黑體" pitchFamily="34" charset="-120"/>
-              </a:rPr>
-              <a:t>告</a:t>
+              <a:t>神稱為義的人誰能控告</a:t>
             </a:r>
             <a:endParaRPr lang="en-US" altLang="zh-TW" sz="6400" b="1" dirty="0">
               <a:solidFill>
@@ -3661,17 +3590,7 @@
                 <a:latin typeface="微軟正黑體" pitchFamily="34" charset="-120"/>
                 <a:ea typeface="微軟正黑體" pitchFamily="34" charset="-120"/>
               </a:rPr>
-              <a:t>誰</a:t>
-            </a:r>
-            <a:r>
-              <a:rPr lang="zh-TW" altLang="en-US" sz="6400" b="1" dirty="0">
-                <a:solidFill>
-                  <a:srgbClr val="000066"/>
-                </a:solidFill>
-                <a:latin typeface="微軟正黑體" pitchFamily="34" charset="-120"/>
-                <a:ea typeface="微軟正黑體" pitchFamily="34" charset="-120"/>
-              </a:rPr>
-              <a:t>能定他們的罪</a:t>
+              <a:t>誰能定他們的罪</a:t>
             </a:r>
             <a:endParaRPr lang="en-US" altLang="zh-TW" sz="6400" b="1" dirty="0">
               <a:solidFill>
@@ -3812,37 +3731,7 @@
                 <a:latin typeface="微軟正黑體" pitchFamily="34" charset="-120"/>
                 <a:ea typeface="微軟正黑體" pitchFamily="34" charset="-120"/>
               </a:rPr>
-              <a:t>神若幫助我們 </a:t>
-            </a:r>
-            <a:r>
-              <a:rPr lang="zh-TW" altLang="en-US" sz="6400" b="1" dirty="0">
-                <a:solidFill>
-                  <a:srgbClr val="000066"/>
-                </a:solidFill>
-                <a:latin typeface="微軟正黑體" pitchFamily="34" charset="-120"/>
-                <a:ea typeface="微軟正黑體" pitchFamily="34" charset="-120"/>
-              </a:rPr>
-              <a:t>  誰</a:t>
-            </a:r>
-            <a:r>
-              <a:rPr lang="zh-TW" altLang="en-US" sz="6400" b="1" dirty="0">
-                <a:solidFill>
-                  <a:srgbClr val="000066"/>
-                </a:solidFill>
-                <a:latin typeface="微軟正黑體" pitchFamily="34" charset="-120"/>
-                <a:ea typeface="微軟正黑體" pitchFamily="34" charset="-120"/>
-              </a:rPr>
-              <a:t>能敵擋我</a:t>
-            </a:r>
-            <a:r>
-              <a:rPr lang="zh-TW" altLang="en-US" sz="6400" b="1" dirty="0">
-                <a:solidFill>
-                  <a:srgbClr val="000066"/>
-                </a:solidFill>
-                <a:latin typeface="微軟正黑體" pitchFamily="34" charset="-120"/>
-                <a:ea typeface="微軟正黑體" pitchFamily="34" charset="-120"/>
-              </a:rPr>
-              <a:t>們</a:t>
+              <a:t>神若幫助我們   誰能敵擋我們</a:t>
             </a:r>
             <a:endParaRPr lang="en-US" altLang="zh-TW" sz="6400" b="1" dirty="0">
               <a:solidFill>
@@ -3864,17 +3753,7 @@
                 <a:latin typeface="微軟正黑體" pitchFamily="34" charset="-120"/>
                 <a:ea typeface="微軟正黑體" pitchFamily="34" charset="-120"/>
               </a:rPr>
-              <a:t>誰</a:t>
-            </a:r>
-            <a:r>
-              <a:rPr lang="zh-TW" altLang="en-US" sz="6400" b="1" dirty="0">
-                <a:solidFill>
-                  <a:srgbClr val="000066"/>
-                </a:solidFill>
-                <a:latin typeface="微軟正黑體" pitchFamily="34" charset="-120"/>
-                <a:ea typeface="微軟正黑體" pitchFamily="34" charset="-120"/>
-              </a:rPr>
-              <a:t>能使我與神的愛隔絕</a:t>
+              <a:t>誰能使我與神的愛隔絕</a:t>
             </a:r>
             <a:endParaRPr lang="en-US" altLang="zh-TW" sz="6400" b="1" dirty="0">
               <a:solidFill>
@@ -4015,37 +3894,7 @@
                 <a:latin typeface="微軟正黑體" pitchFamily="34" charset="-120"/>
                 <a:ea typeface="微軟正黑體" pitchFamily="34" charset="-120"/>
               </a:rPr>
-              <a:t>難道是患難嗎 </a:t>
-            </a:r>
-            <a:r>
-              <a:rPr lang="zh-TW" altLang="en-US" sz="6400" b="1" dirty="0">
-                <a:solidFill>
-                  <a:srgbClr val="000066"/>
-                </a:solidFill>
-                <a:latin typeface="微軟正黑體" pitchFamily="34" charset="-120"/>
-                <a:ea typeface="微軟正黑體" pitchFamily="34" charset="-120"/>
-              </a:rPr>
-              <a:t>  是</a:t>
-            </a:r>
-            <a:r>
-              <a:rPr lang="zh-TW" altLang="en-US" sz="6400" b="1" dirty="0">
-                <a:solidFill>
-                  <a:srgbClr val="000066"/>
-                </a:solidFill>
-                <a:latin typeface="微軟正黑體" pitchFamily="34" charset="-120"/>
-                <a:ea typeface="微軟正黑體" pitchFamily="34" charset="-120"/>
-              </a:rPr>
-              <a:t>困苦</a:t>
-            </a:r>
-            <a:r>
-              <a:rPr lang="zh-TW" altLang="en-US" sz="6400" b="1" dirty="0">
-                <a:solidFill>
-                  <a:srgbClr val="000066"/>
-                </a:solidFill>
-                <a:latin typeface="微軟正黑體" pitchFamily="34" charset="-120"/>
-                <a:ea typeface="微軟正黑體" pitchFamily="34" charset="-120"/>
-              </a:rPr>
-              <a:t>嗎</a:t>
+              <a:t>難道是患難嗎   是困苦嗎</a:t>
             </a:r>
             <a:endParaRPr lang="en-US" altLang="zh-TW" sz="6400" b="1" dirty="0">
               <a:solidFill>
@@ -4067,37 +3916,7 @@
                 <a:latin typeface="微軟正黑體" pitchFamily="34" charset="-120"/>
                 <a:ea typeface="微軟正黑體" pitchFamily="34" charset="-120"/>
               </a:rPr>
-              <a:t>是</a:t>
-            </a:r>
-            <a:r>
-              <a:rPr lang="zh-TW" altLang="en-US" sz="6400" b="1" dirty="0">
-                <a:solidFill>
-                  <a:srgbClr val="000066"/>
-                </a:solidFill>
-                <a:latin typeface="微軟正黑體" pitchFamily="34" charset="-120"/>
-                <a:ea typeface="微軟正黑體" pitchFamily="34" charset="-120"/>
-              </a:rPr>
-              <a:t>逼迫嗎 </a:t>
-            </a:r>
-            <a:r>
-              <a:rPr lang="zh-TW" altLang="en-US" sz="6400" b="1" dirty="0">
-                <a:solidFill>
-                  <a:srgbClr val="000066"/>
-                </a:solidFill>
-                <a:latin typeface="微軟正黑體" pitchFamily="34" charset="-120"/>
-                <a:ea typeface="微軟正黑體" pitchFamily="34" charset="-120"/>
-              </a:rPr>
-              <a:t>  是</a:t>
-            </a:r>
-            <a:r>
-              <a:rPr lang="zh-TW" altLang="en-US" sz="6400" b="1" dirty="0">
-                <a:solidFill>
-                  <a:srgbClr val="000066"/>
-                </a:solidFill>
-                <a:latin typeface="微軟正黑體" pitchFamily="34" charset="-120"/>
-                <a:ea typeface="微軟正黑體" pitchFamily="34" charset="-120"/>
-              </a:rPr>
-              <a:t>飢餓嗎</a:t>
+              <a:t>是逼迫嗎   是飢餓嗎</a:t>
             </a:r>
             <a:endParaRPr lang="en-US" altLang="zh-TW" sz="6400" b="1" dirty="0">
               <a:solidFill>
@@ -4163,18 +3982,7 @@
                 <a:latin typeface="Microsoft JhengHei" panose="020B0604030504040204" pitchFamily="34" charset="-120"/>
                 <a:ea typeface="Microsoft JhengHei" panose="020B0604030504040204" pitchFamily="34" charset="-120"/>
               </a:rPr>
-              <a:t> </a:t>
-            </a:r>
-            <a:r>
-              <a:rPr lang="en-US" sz="4400" b="1" dirty="0">
-                <a:solidFill>
-                  <a:srgbClr val="000066"/>
-                </a:solidFill>
-                <a:effectLst/>
-                <a:latin typeface="Microsoft JhengHei" panose="020B0604030504040204" pitchFamily="34" charset="-120"/>
-                <a:ea typeface="Microsoft JhengHei" panose="020B0604030504040204" pitchFamily="34" charset="-120"/>
-              </a:rPr>
-              <a:t>)</a:t>
+              <a:t> )</a:t>
             </a:r>
             <a:endParaRPr lang="vi-VN" sz="4400" b="1" dirty="0">
               <a:solidFill>
@@ -4249,30 +4057,10 @@
                 <a:latin typeface="微軟正黑體" pitchFamily="34" charset="-120"/>
                 <a:ea typeface="微軟正黑體" pitchFamily="34" charset="-120"/>
               </a:rPr>
-              <a:t>是赤身露體 </a:t>
-            </a:r>
-            <a:r>
-              <a:rPr lang="zh-TW" altLang="en-US" sz="6400" b="1" dirty="0">
-                <a:solidFill>
-                  <a:srgbClr val="000066"/>
-                </a:solidFill>
-                <a:latin typeface="微軟正黑體" pitchFamily="34" charset="-120"/>
-                <a:ea typeface="微軟正黑體" pitchFamily="34" charset="-120"/>
-              </a:rPr>
-              <a:t>  危險刀</a:t>
-            </a:r>
-            <a:r>
-              <a:rPr lang="zh-TW" altLang="en-US" sz="6400" b="1" dirty="0">
-                <a:solidFill>
-                  <a:srgbClr val="000066"/>
-                </a:solidFill>
-                <a:latin typeface="微軟正黑體" pitchFamily="34" charset="-120"/>
-                <a:ea typeface="微軟正黑體" pitchFamily="34" charset="-120"/>
-              </a:rPr>
-              <a:t>劍</a:t>
-            </a:r>
-            <a:r>
-              <a:rPr lang="zh-TW" altLang="en-US" sz="6400" b="1" dirty="0">
+              <a:t>是赤身露體   危險刀劍</a:t>
+            </a:r>
+            <a:r>
+              <a:rPr lang="zh-TW" altLang="en-US" sz="6400" b="1" dirty="0" smtClean="0">
                 <a:solidFill>
                   <a:srgbClr val="000066"/>
                 </a:solidFill>
@@ -4280,58 +4068,6 @@
                 <a:ea typeface="微軟正黑體" pitchFamily="34" charset="-120"/>
               </a:rPr>
               <a:t>嗎</a:t>
-            </a:r>
-            <a:endParaRPr lang="en-US" altLang="zh-TW" sz="6400" b="1" dirty="0">
-              <a:solidFill>
-                <a:srgbClr val="000066"/>
-              </a:solidFill>
-              <a:latin typeface="微軟正黑體" pitchFamily="34" charset="-120"/>
-              <a:ea typeface="微軟正黑體" pitchFamily="34" charset="-120"/>
-            </a:endParaRPr>
-          </a:p>
-          <a:p>
-            <a:pPr algn="ctr">
-              <a:buNone/>
-            </a:pPr>
-            <a:r>
-              <a:rPr lang="zh-TW" altLang="en-US" sz="6400" b="1" dirty="0">
-                <a:solidFill>
-                  <a:srgbClr val="000066"/>
-                </a:solidFill>
-                <a:latin typeface="微軟正黑體" pitchFamily="34" charset="-120"/>
-                <a:ea typeface="微軟正黑體" pitchFamily="34" charset="-120"/>
-              </a:rPr>
-              <a:t>不</a:t>
-            </a:r>
-            <a:r>
-              <a:rPr lang="zh-TW" altLang="en-US" sz="6400" b="1" dirty="0">
-                <a:solidFill>
-                  <a:srgbClr val="000066"/>
-                </a:solidFill>
-                <a:latin typeface="微軟正黑體" pitchFamily="34" charset="-120"/>
-                <a:ea typeface="微軟正黑體" pitchFamily="34" charset="-120"/>
-              </a:rPr>
-              <a:t>論是高處的 </a:t>
-            </a:r>
-            <a:r>
-              <a:rPr lang="zh-TW" altLang="en-US" sz="6400" b="1" dirty="0">
-                <a:solidFill>
-                  <a:srgbClr val="000066"/>
-                </a:solidFill>
-                <a:latin typeface="微軟正黑體" pitchFamily="34" charset="-120"/>
-                <a:ea typeface="微軟正黑體" pitchFamily="34" charset="-120"/>
-              </a:rPr>
-              <a:t>  是</a:t>
-            </a:r>
-            <a:r>
-              <a:rPr lang="zh-TW" altLang="en-US" sz="6400" b="1" dirty="0">
-                <a:solidFill>
-                  <a:srgbClr val="000066"/>
-                </a:solidFill>
-                <a:latin typeface="微軟正黑體" pitchFamily="34" charset="-120"/>
-                <a:ea typeface="微軟正黑體" pitchFamily="34" charset="-120"/>
-              </a:rPr>
-              <a:t>低處的</a:t>
             </a:r>
             <a:endParaRPr lang="en-US" altLang="zh-TW" sz="6400" b="1" dirty="0">
               <a:solidFill>
@@ -4397,18 +4133,7 @@
                 <a:latin typeface="Microsoft JhengHei" panose="020B0604030504040204" pitchFamily="34" charset="-120"/>
                 <a:ea typeface="Microsoft JhengHei" panose="020B0604030504040204" pitchFamily="34" charset="-120"/>
               </a:rPr>
-              <a:t> </a:t>
-            </a:r>
-            <a:r>
-              <a:rPr lang="en-US" sz="4400" b="1" dirty="0">
-                <a:solidFill>
-                  <a:srgbClr val="000066"/>
-                </a:solidFill>
-                <a:effectLst/>
-                <a:latin typeface="Microsoft JhengHei" panose="020B0604030504040204" pitchFamily="34" charset="-120"/>
-                <a:ea typeface="Microsoft JhengHei" panose="020B0604030504040204" pitchFamily="34" charset="-120"/>
-              </a:rPr>
-              <a:t>)</a:t>
+              <a:t> )</a:t>
             </a:r>
             <a:endParaRPr lang="vi-VN" sz="4400" b="1" dirty="0">
               <a:solidFill>
@@ -4476,14 +4201,14 @@
               <a:buNone/>
             </a:pPr>
             <a:r>
-              <a:rPr lang="zh-TW" altLang="en-US" sz="6400" b="1" dirty="0">
+              <a:rPr lang="zh-TW" altLang="en-US" sz="6400" b="1" dirty="0" smtClean="0">
                 <a:solidFill>
                   <a:srgbClr val="000066"/>
                 </a:solidFill>
                 <a:latin typeface="微軟正黑體" pitchFamily="34" charset="-120"/>
                 <a:ea typeface="微軟正黑體" pitchFamily="34" charset="-120"/>
               </a:rPr>
-              <a:t>現在的事 </a:t>
+              <a:t>不</a:t>
             </a:r>
             <a:r>
               <a:rPr lang="zh-TW" altLang="en-US" sz="6400" b="1" dirty="0">
@@ -4493,29 +4218,19 @@
                 <a:latin typeface="微軟正黑體" pitchFamily="34" charset="-120"/>
                 <a:ea typeface="微軟正黑體" pitchFamily="34" charset="-120"/>
               </a:rPr>
-              <a:t> 將</a:t>
-            </a:r>
-            <a:r>
-              <a:rPr lang="zh-TW" altLang="en-US" sz="6400" b="1" dirty="0">
+              <a:t>論是高處的   是低處</a:t>
+            </a:r>
+            <a:r>
+              <a:rPr lang="zh-TW" altLang="en-US" sz="6400" b="1" dirty="0" smtClean="0">
                 <a:solidFill>
                   <a:srgbClr val="000066"/>
                 </a:solidFill>
                 <a:latin typeface="微軟正黑體" pitchFamily="34" charset="-120"/>
                 <a:ea typeface="微軟正黑體" pitchFamily="34" charset="-120"/>
               </a:rPr>
-              <a:t>來的</a:t>
-            </a:r>
-            <a:r>
-              <a:rPr lang="zh-TW" altLang="en-US" sz="6400" b="1" dirty="0">
-                <a:solidFill>
-                  <a:srgbClr val="000066"/>
-                </a:solidFill>
-                <a:latin typeface="微軟正黑體" pitchFamily="34" charset="-120"/>
-                <a:ea typeface="微軟正黑體" pitchFamily="34" charset="-120"/>
-              </a:rPr>
-              <a:t>事</a:t>
-            </a:r>
-            <a:endParaRPr lang="en-US" altLang="zh-TW" sz="6400" b="1" dirty="0">
+              <a:t>的</a:t>
+            </a:r>
+            <a:endParaRPr lang="en-US" altLang="zh-TW" sz="6400" b="1" dirty="0" smtClean="0">
               <a:solidFill>
                 <a:srgbClr val="000066"/>
               </a:solidFill>
@@ -4535,17 +4250,7 @@
                 <a:latin typeface="微軟正黑體" pitchFamily="34" charset="-120"/>
                 <a:ea typeface="微軟正黑體" pitchFamily="34" charset="-120"/>
               </a:rPr>
-              <a:t>都</a:t>
-            </a:r>
-            <a:r>
-              <a:rPr lang="zh-TW" altLang="en-US" sz="6400" b="1" dirty="0">
-                <a:solidFill>
-                  <a:srgbClr val="000066"/>
-                </a:solidFill>
-                <a:latin typeface="微軟正黑體" pitchFamily="34" charset="-120"/>
-                <a:ea typeface="微軟正黑體" pitchFamily="34" charset="-120"/>
-              </a:rPr>
-              <a:t>不能叫我與神的愛隔絕</a:t>
+              <a:t>現在的事  將來的事</a:t>
             </a:r>
             <a:endParaRPr lang="en-US" altLang="zh-TW" sz="6400" b="1" dirty="0">
               <a:solidFill>
@@ -4611,8 +4316,126 @@
                 <a:latin typeface="Microsoft JhengHei" panose="020B0604030504040204" pitchFamily="34" charset="-120"/>
                 <a:ea typeface="Microsoft JhengHei" panose="020B0604030504040204" pitchFamily="34" charset="-120"/>
               </a:rPr>
-              <a:t> </a:t>
-            </a:r>
+              <a:t> )</a:t>
+            </a:r>
+            <a:endParaRPr lang="vi-VN" sz="4400" b="1" dirty="0">
+              <a:solidFill>
+                <a:srgbClr val="000066"/>
+              </a:solidFill>
+              <a:effectLst/>
+              <a:ea typeface="Microsoft JhengHei" panose="020B0604030504040204" pitchFamily="34" charset="-120"/>
+            </a:endParaRPr>
+          </a:p>
+        </p:txBody>
+      </p:sp>
+    </p:spTree>
+    <p:extLst>
+      <p:ext uri="{BB962C8B-B14F-4D97-AF65-F5344CB8AC3E}">
+        <p14:creationId xmlns:p14="http://schemas.microsoft.com/office/powerpoint/2010/main" val="3930965769"/>
+      </p:ext>
+    </p:extLst>
+  </p:cSld>
+  <p:clrMapOvr>
+    <a:masterClrMapping/>
+  </p:clrMapOvr>
+</p:sld>
+</file>
+
+<file path=ppt/slides/slide9.xml><?xml version="1.0" encoding="utf-8"?>
+<p:sld xmlns:a="http://schemas.openxmlformats.org/drawingml/2006/main" xmlns:r="http://schemas.openxmlformats.org/officeDocument/2006/relationships" xmlns:p="http://schemas.openxmlformats.org/presentationml/2006/main">
+  <p:cSld>
+    <p:spTree>
+      <p:nvGrpSpPr>
+        <p:cNvPr id="1" name=""/>
+        <p:cNvGrpSpPr/>
+        <p:nvPr/>
+      </p:nvGrpSpPr>
+      <p:grpSpPr>
+        <a:xfrm>
+          <a:off x="0" y="0"/>
+          <a:ext cx="0" cy="0"/>
+          <a:chOff x="0" y="0"/>
+          <a:chExt cx="0" cy="0"/>
+        </a:xfrm>
+      </p:grpSpPr>
+      <p:sp>
+        <p:nvSpPr>
+          <p:cNvPr id="5" name="內容版面配置區 4"/>
+          <p:cNvSpPr>
+            <a:spLocks noGrp="1"/>
+          </p:cNvSpPr>
+          <p:nvPr>
+            <p:ph idx="1"/>
+          </p:nvPr>
+        </p:nvSpPr>
+        <p:spPr>
+          <a:xfrm>
+            <a:off x="0" y="2084851"/>
+            <a:ext cx="12192000" cy="2404863"/>
+          </a:xfrm>
+        </p:spPr>
+        <p:txBody>
+          <a:bodyPr anchor="ctr">
+            <a:normAutofit/>
+          </a:bodyPr>
+          <a:lstStyle/>
+          <a:p>
+            <a:pPr algn="ctr">
+              <a:buNone/>
+            </a:pPr>
+            <a:r>
+              <a:rPr lang="zh-TW" altLang="en-US" sz="6400" b="1" dirty="0" smtClean="0">
+                <a:solidFill>
+                  <a:srgbClr val="000066"/>
+                </a:solidFill>
+                <a:latin typeface="微軟正黑體" pitchFamily="34" charset="-120"/>
+                <a:ea typeface="微軟正黑體" pitchFamily="34" charset="-120"/>
+              </a:rPr>
+              <a:t>都</a:t>
+            </a:r>
+            <a:r>
+              <a:rPr lang="zh-TW" altLang="en-US" sz="6400" b="1" dirty="0">
+                <a:solidFill>
+                  <a:srgbClr val="000066"/>
+                </a:solidFill>
+                <a:latin typeface="微軟正黑體" pitchFamily="34" charset="-120"/>
+                <a:ea typeface="微軟正黑體" pitchFamily="34" charset="-120"/>
+              </a:rPr>
+              <a:t>不能叫我與神的愛隔絕</a:t>
+            </a:r>
+            <a:endParaRPr lang="en-US" altLang="zh-TW" sz="6400" b="1" dirty="0">
+              <a:solidFill>
+                <a:srgbClr val="000066"/>
+              </a:solidFill>
+              <a:latin typeface="微軟正黑體" pitchFamily="34" charset="-120"/>
+              <a:ea typeface="微軟正黑體" pitchFamily="34" charset="-120"/>
+            </a:endParaRPr>
+          </a:p>
+        </p:txBody>
+      </p:sp>
+      <p:sp>
+        <p:nvSpPr>
+          <p:cNvPr id="3" name="TextBox 2"/>
+          <p:cNvSpPr txBox="1"/>
+          <p:nvPr/>
+        </p:nvSpPr>
+        <p:spPr>
+          <a:xfrm>
+            <a:off x="178" y="5373218"/>
+            <a:ext cx="12191823" cy="769441"/>
+          </a:xfrm>
+          <a:prstGeom prst="rect">
+            <a:avLst/>
+          </a:prstGeom>
+          <a:noFill/>
+        </p:spPr>
+        <p:txBody>
+          <a:bodyPr wrap="square" rtlCol="0" anchor="ctr">
+            <a:spAutoFit/>
+          </a:bodyPr>
+          <a:lstStyle/>
+          <a:p>
+            <a:pPr algn="ctr"/>
             <a:r>
               <a:rPr lang="en-US" sz="4400" b="1" dirty="0">
                 <a:solidFill>
@@ -4622,7 +4445,29 @@
                 <a:latin typeface="Microsoft JhengHei" panose="020B0604030504040204" pitchFamily="34" charset="-120"/>
                 <a:ea typeface="Microsoft JhengHei" panose="020B0604030504040204" pitchFamily="34" charset="-120"/>
               </a:rPr>
-              <a:t>)</a:t>
+              <a:t>( </a:t>
+            </a:r>
+            <a:r>
+              <a:rPr lang="zh-CN" altLang="en-US" sz="4400" b="1" dirty="0">
+                <a:solidFill>
+                  <a:srgbClr val="000066"/>
+                </a:solidFill>
+                <a:effectLst/>
+                <a:latin typeface="Microsoft JhengHei" panose="020B0604030504040204" pitchFamily="34" charset="-120"/>
+                <a:ea typeface="Microsoft JhengHei" panose="020B0604030504040204" pitchFamily="34" charset="-120"/>
+              </a:rPr>
+              <a:t>副</a:t>
+            </a:r>
+            <a:r>
+              <a:rPr lang="en-US" sz="4400" b="1" dirty="0">
+                <a:solidFill>
+                  <a:srgbClr val="000066"/>
+                </a:solidFill>
+                <a:effectLst/>
+                <a:latin typeface="Microsoft JhengHei" panose="020B0604030504040204" pitchFamily="34" charset="-120"/>
+                <a:ea typeface="Microsoft JhengHei" panose="020B0604030504040204" pitchFamily="34" charset="-120"/>
+              </a:rPr>
+              <a:t> )</a:t>
             </a:r>
             <a:endParaRPr lang="vi-VN" sz="4400" b="1" dirty="0">
               <a:solidFill>
